--- a/cop4610/lecture_21_network.pptx
+++ b/cop4610/lecture_21_network.pptx
@@ -10775,7 +10775,7 @@
             </a:br>
             <a:r>
               <a:rPr lang="en-US" altLang="en-US" dirty="0"/>
-              <a:t>Computer Network</a:t>
+              <a:t>Computer Networks</a:t>
             </a:r>
           </a:p>
         </p:txBody>
@@ -12573,7 +12573,7 @@
           <a:p>
             <a:r>
               <a:rPr lang="en-US" altLang="en-US" dirty="0"/>
-              <a:t>Computer Network</a:t>
+              <a:t>Computer Networks</a:t>
             </a:r>
           </a:p>
         </p:txBody>
